--- a/Projektiterationen/2.Iteration.pptx
+++ b/Projektiterationen/2.Iteration.pptx
@@ -6,16 +6,17 @@
   </p:sldMasterIdLst>
   <p:sldIdLst>
     <p:sldId id="256" r:id="rId2"/>
-    <p:sldId id="257" r:id="rId3"/>
-    <p:sldId id="261" r:id="rId4"/>
-    <p:sldId id="267" r:id="rId5"/>
-    <p:sldId id="273" r:id="rId6"/>
-    <p:sldId id="270" r:id="rId7"/>
-    <p:sldId id="271" r:id="rId8"/>
-    <p:sldId id="272" r:id="rId9"/>
-    <p:sldId id="274" r:id="rId10"/>
-    <p:sldId id="275" r:id="rId11"/>
-    <p:sldId id="262" r:id="rId12"/>
+    <p:sldId id="276" r:id="rId3"/>
+    <p:sldId id="257" r:id="rId4"/>
+    <p:sldId id="261" r:id="rId5"/>
+    <p:sldId id="267" r:id="rId6"/>
+    <p:sldId id="273" r:id="rId7"/>
+    <p:sldId id="270" r:id="rId8"/>
+    <p:sldId id="271" r:id="rId9"/>
+    <p:sldId id="272" r:id="rId10"/>
+    <p:sldId id="274" r:id="rId11"/>
+    <p:sldId id="275" r:id="rId12"/>
+    <p:sldId id="262" r:id="rId13"/>
   </p:sldIdLst>
   <p:sldSz cx="12192000" cy="6858000"/>
   <p:notesSz cx="6858000" cy="9144000"/>
@@ -3578,12 +3579,28 @@
           <a:lstStyle/>
           <a:p>
             <a:r>
-              <a:rPr lang="de-AT" sz="2000">
+              <a:rPr lang="de-AT" sz="2000" dirty="0">
                 <a:solidFill>
                   <a:srgbClr val="FFFFFF"/>
                 </a:solidFill>
               </a:rPr>
-              <a:t>Von Rene Eder, Philipp Hohenwarter, Thomas Salcher, Philip Zerza </a:t>
+              <a:t>Von Rene Eder, Philipp </a:t>
+            </a:r>
+            <a:r>
+              <a:rPr lang="de-AT" sz="2000" dirty="0" err="1">
+                <a:solidFill>
+                  <a:srgbClr val="FFFFFF"/>
+                </a:solidFill>
+              </a:rPr>
+              <a:t>Hohenwarter</a:t>
+            </a:r>
+            <a:r>
+              <a:rPr lang="de-AT" sz="2000" dirty="0">
+                <a:solidFill>
+                  <a:srgbClr val="FFFFFF"/>
+                </a:solidFill>
+              </a:rPr>
+              <a:t>, Thomas Salcher, Philip Zerza </a:t>
             </a:r>
           </a:p>
         </p:txBody>
@@ -3623,6 +3640,159 @@
           <p:cNvPr id="2" name="Titel 1">
             <a:extLst>
               <a:ext uri="{FF2B5EF4-FFF2-40B4-BE49-F238E27FC236}">
+                <a16:creationId xmlns:a16="http://schemas.microsoft.com/office/drawing/2014/main" id="{0DA8331F-D8E8-4F32-9149-50DFD4A37F65}"/>
+              </a:ext>
+            </a:extLst>
+          </p:cNvPr>
+          <p:cNvSpPr>
+            <a:spLocks noGrp="1"/>
+          </p:cNvSpPr>
+          <p:nvPr>
+            <p:ph type="title"/>
+          </p:nvPr>
+        </p:nvSpPr>
+        <p:spPr>
+          <a:xfrm>
+            <a:off x="528099" y="0"/>
+            <a:ext cx="10515600" cy="1325563"/>
+          </a:xfrm>
+        </p:spPr>
+        <p:txBody>
+          <a:bodyPr/>
+          <a:lstStyle/>
+          <a:p>
+            <a:r>
+              <a:rPr lang="de-AT" dirty="0"/>
+              <a:t>Android App</a:t>
+            </a:r>
+          </a:p>
+        </p:txBody>
+      </p:sp>
+      <p:pic>
+        <p:nvPicPr>
+          <p:cNvPr id="3" name="Grafik 2">
+            <a:extLst>
+              <a:ext uri="{FF2B5EF4-FFF2-40B4-BE49-F238E27FC236}">
+                <a16:creationId xmlns:a16="http://schemas.microsoft.com/office/drawing/2014/main" id="{96B49854-BCE2-47F3-930B-03150AF75493}"/>
+              </a:ext>
+            </a:extLst>
+          </p:cNvPr>
+          <p:cNvPicPr>
+            <a:picLocks noChangeAspect="1"/>
+          </p:cNvPicPr>
+          <p:nvPr/>
+        </p:nvPicPr>
+        <p:blipFill>
+          <a:blip r:embed="rId2"/>
+          <a:stretch>
+            <a:fillRect/>
+          </a:stretch>
+        </p:blipFill>
+        <p:spPr>
+          <a:xfrm>
+            <a:off x="1243717" y="1217949"/>
+            <a:ext cx="2822714" cy="5018158"/>
+          </a:xfrm>
+          <a:prstGeom prst="rect">
+            <a:avLst/>
+          </a:prstGeom>
+        </p:spPr>
+      </p:pic>
+      <p:pic>
+        <p:nvPicPr>
+          <p:cNvPr id="4" name="Grafik 3">
+            <a:extLst>
+              <a:ext uri="{FF2B5EF4-FFF2-40B4-BE49-F238E27FC236}">
+                <a16:creationId xmlns:a16="http://schemas.microsoft.com/office/drawing/2014/main" id="{5CD5FE2E-EEAF-4BDF-8513-B92EEA9B4D7F}"/>
+              </a:ext>
+            </a:extLst>
+          </p:cNvPr>
+          <p:cNvPicPr>
+            <a:picLocks noChangeAspect="1"/>
+          </p:cNvPicPr>
+          <p:nvPr/>
+        </p:nvPicPr>
+        <p:blipFill>
+          <a:blip r:embed="rId3"/>
+          <a:stretch>
+            <a:fillRect/>
+          </a:stretch>
+        </p:blipFill>
+        <p:spPr>
+          <a:xfrm>
+            <a:off x="8067920" y="1217947"/>
+            <a:ext cx="2822715" cy="5018160"/>
+          </a:xfrm>
+          <a:prstGeom prst="rect">
+            <a:avLst/>
+          </a:prstGeom>
+        </p:spPr>
+      </p:pic>
+      <p:pic>
+        <p:nvPicPr>
+          <p:cNvPr id="5" name="Grafik 4">
+            <a:extLst>
+              <a:ext uri="{FF2B5EF4-FFF2-40B4-BE49-F238E27FC236}">
+                <a16:creationId xmlns:a16="http://schemas.microsoft.com/office/drawing/2014/main" id="{C8DB91F3-5443-4F93-846D-ACD43C2CD497}"/>
+              </a:ext>
+            </a:extLst>
+          </p:cNvPr>
+          <p:cNvPicPr>
+            <a:picLocks noChangeAspect="1"/>
+          </p:cNvPicPr>
+          <p:nvPr/>
+        </p:nvPicPr>
+        <p:blipFill>
+          <a:blip r:embed="rId4"/>
+          <a:stretch>
+            <a:fillRect/>
+          </a:stretch>
+        </p:blipFill>
+        <p:spPr>
+          <a:xfrm>
+            <a:off x="4684643" y="1217949"/>
+            <a:ext cx="2822714" cy="5018158"/>
+          </a:xfrm>
+          <a:prstGeom prst="rect">
+            <a:avLst/>
+          </a:prstGeom>
+        </p:spPr>
+      </p:pic>
+    </p:spTree>
+    <p:extLst>
+      <p:ext uri="{BB962C8B-B14F-4D97-AF65-F5344CB8AC3E}">
+        <p14:creationId xmlns:p14="http://schemas.microsoft.com/office/powerpoint/2010/main" val="3708388542"/>
+      </p:ext>
+    </p:extLst>
+  </p:cSld>
+  <p:clrMapOvr>
+    <a:masterClrMapping/>
+  </p:clrMapOvr>
+</p:sld>
+</file>
+
+<file path=ppt/slides/slide11.xml><?xml version="1.0" encoding="utf-8"?>
+<p:sld xmlns:a="http://schemas.openxmlformats.org/drawingml/2006/main" xmlns:r="http://schemas.openxmlformats.org/officeDocument/2006/relationships" xmlns:p="http://schemas.openxmlformats.org/presentationml/2006/main">
+  <p:cSld>
+    <p:spTree>
+      <p:nvGrpSpPr>
+        <p:cNvPr id="1" name=""/>
+        <p:cNvGrpSpPr/>
+        <p:nvPr/>
+      </p:nvGrpSpPr>
+      <p:grpSpPr>
+        <a:xfrm>
+          <a:off x="0" y="0"/>
+          <a:ext cx="0" cy="0"/>
+          <a:chOff x="0" y="0"/>
+          <a:chExt cx="0" cy="0"/>
+        </a:xfrm>
+      </p:grpSpPr>
+      <p:sp>
+        <p:nvSpPr>
+          <p:cNvPr id="2" name="Titel 1">
+            <a:extLst>
+              <a:ext uri="{FF2B5EF4-FFF2-40B4-BE49-F238E27FC236}">
                 <a16:creationId xmlns:a16="http://schemas.microsoft.com/office/drawing/2014/main" id="{A1643D1D-D92D-4A2A-B12A-648CA54B580F}"/>
               </a:ext>
             </a:extLst>
@@ -3693,6 +3863,18 @@
             <a:r>
               <a:rPr lang="de-AT" dirty="0"/>
               <a:t>Fertigstellung der Android App</a:t>
+            </a:r>
+          </a:p>
+          <a:p>
+            <a:r>
+              <a:rPr lang="de-AT" dirty="0"/>
+              <a:t>Speichern von Arbeitsverträgen, etc. in der DB</a:t>
+            </a:r>
+          </a:p>
+          <a:p>
+            <a:r>
+              <a:rPr lang="de-AT" dirty="0"/>
+              <a:t>Rollenmanagement</a:t>
             </a:r>
           </a:p>
           <a:p>
@@ -3713,7 +3895,7 @@
 </p:sld>
 </file>
 
-<file path=ppt/slides/slide11.xml><?xml version="1.0" encoding="utf-8"?>
+<file path=ppt/slides/slide12.xml><?xml version="1.0" encoding="utf-8"?>
 <p:sld xmlns:a="http://schemas.openxmlformats.org/drawingml/2006/main" xmlns:r="http://schemas.openxmlformats.org/officeDocument/2006/relationships" xmlns:p="http://schemas.openxmlformats.org/presentationml/2006/main">
   <p:cSld>
     <p:spTree>
@@ -3815,6 +3997,363 @@
       </p:grpSpPr>
       <p:sp>
         <p:nvSpPr>
+          <p:cNvPr id="3" name="Inhaltsplatzhalter 2">
+            <a:extLst>
+              <a:ext uri="{FF2B5EF4-FFF2-40B4-BE49-F238E27FC236}">
+                <a16:creationId xmlns:a16="http://schemas.microsoft.com/office/drawing/2014/main" id="{1773F7C0-DEEA-44C3-9337-BF52376D630A}"/>
+              </a:ext>
+            </a:extLst>
+          </p:cNvPr>
+          <p:cNvSpPr>
+            <a:spLocks noGrp="1"/>
+          </p:cNvSpPr>
+          <p:nvPr>
+            <p:ph idx="1"/>
+          </p:nvPr>
+        </p:nvSpPr>
+        <p:spPr/>
+        <p:txBody>
+          <a:bodyPr/>
+          <a:lstStyle/>
+          <a:p>
+            <a:endParaRPr lang="en-GB"/>
+          </a:p>
+        </p:txBody>
+      </p:sp>
+      <p:pic>
+        <p:nvPicPr>
+          <p:cNvPr id="4" name="Grafik 3">
+            <a:extLst>
+              <a:ext uri="{FF2B5EF4-FFF2-40B4-BE49-F238E27FC236}">
+                <a16:creationId xmlns:a16="http://schemas.microsoft.com/office/drawing/2014/main" id="{29156D92-1C45-4616-87E5-0B9B8DC7B7C3}"/>
+              </a:ext>
+            </a:extLst>
+          </p:cNvPr>
+          <p:cNvPicPr>
+            <a:picLocks noChangeAspect="1"/>
+          </p:cNvPicPr>
+          <p:nvPr/>
+        </p:nvPicPr>
+        <p:blipFill>
+          <a:blip r:embed="rId2"/>
+          <a:stretch>
+            <a:fillRect/>
+          </a:stretch>
+        </p:blipFill>
+        <p:spPr>
+          <a:xfrm>
+            <a:off x="0" y="900992"/>
+            <a:ext cx="12192000" cy="2828925"/>
+          </a:xfrm>
+          <a:prstGeom prst="rect">
+            <a:avLst/>
+          </a:prstGeom>
+        </p:spPr>
+      </p:pic>
+      <p:pic>
+        <p:nvPicPr>
+          <p:cNvPr id="5" name="Grafik 4">
+            <a:extLst>
+              <a:ext uri="{FF2B5EF4-FFF2-40B4-BE49-F238E27FC236}">
+                <a16:creationId xmlns:a16="http://schemas.microsoft.com/office/drawing/2014/main" id="{82291166-D26A-490A-AD26-E9519F85FF06}"/>
+              </a:ext>
+            </a:extLst>
+          </p:cNvPr>
+          <p:cNvPicPr>
+            <a:picLocks noChangeAspect="1"/>
+          </p:cNvPicPr>
+          <p:nvPr/>
+        </p:nvPicPr>
+        <p:blipFill>
+          <a:blip r:embed="rId3"/>
+          <a:stretch>
+            <a:fillRect/>
+          </a:stretch>
+        </p:blipFill>
+        <p:spPr>
+          <a:xfrm>
+            <a:off x="9810418" y="3914004"/>
+            <a:ext cx="2381582" cy="1257475"/>
+          </a:xfrm>
+          <a:prstGeom prst="rect">
+            <a:avLst/>
+          </a:prstGeom>
+        </p:spPr>
+      </p:pic>
+      <p:pic>
+        <p:nvPicPr>
+          <p:cNvPr id="6" name="Grafik 5">
+            <a:extLst>
+              <a:ext uri="{FF2B5EF4-FFF2-40B4-BE49-F238E27FC236}">
+                <a16:creationId xmlns:a16="http://schemas.microsoft.com/office/drawing/2014/main" id="{8584B220-3657-4993-9C64-47252042D6EA}"/>
+              </a:ext>
+            </a:extLst>
+          </p:cNvPr>
+          <p:cNvPicPr>
+            <a:picLocks noChangeAspect="1"/>
+          </p:cNvPicPr>
+          <p:nvPr/>
+        </p:nvPicPr>
+        <p:blipFill>
+          <a:blip r:embed="rId4"/>
+          <a:stretch>
+            <a:fillRect/>
+          </a:stretch>
+        </p:blipFill>
+        <p:spPr>
+          <a:xfrm>
+            <a:off x="7081543" y="3933056"/>
+            <a:ext cx="1676634" cy="1238423"/>
+          </a:xfrm>
+          <a:prstGeom prst="rect">
+            <a:avLst/>
+          </a:prstGeom>
+        </p:spPr>
+      </p:pic>
+      <p:sp>
+        <p:nvSpPr>
+          <p:cNvPr id="7" name="Pfeil: nach unten 6">
+            <a:extLst>
+              <a:ext uri="{FF2B5EF4-FFF2-40B4-BE49-F238E27FC236}">
+                <a16:creationId xmlns:a16="http://schemas.microsoft.com/office/drawing/2014/main" id="{DED8A59A-D2F8-472D-9C05-963D471084E2}"/>
+              </a:ext>
+            </a:extLst>
+          </p:cNvPr>
+          <p:cNvSpPr/>
+          <p:nvPr/>
+        </p:nvSpPr>
+        <p:spPr>
+          <a:xfrm rot="3020801">
+            <a:off x="8568793" y="3100249"/>
+            <a:ext cx="559837" cy="836955"/>
+          </a:xfrm>
+          <a:prstGeom prst="downArrow">
+            <a:avLst/>
+          </a:prstGeom>
+        </p:spPr>
+        <p:style>
+          <a:lnRef idx="2">
+            <a:schemeClr val="accent1">
+              <a:shade val="50000"/>
+            </a:schemeClr>
+          </a:lnRef>
+          <a:fillRef idx="1">
+            <a:schemeClr val="accent1"/>
+          </a:fillRef>
+          <a:effectRef idx="0">
+            <a:schemeClr val="accent1"/>
+          </a:effectRef>
+          <a:fontRef idx="minor">
+            <a:schemeClr val="lt1"/>
+          </a:fontRef>
+        </p:style>
+        <p:txBody>
+          <a:bodyPr rtlCol="0" anchor="ctr"/>
+          <a:lstStyle/>
+          <a:p>
+            <a:pPr algn="ctr"/>
+            <a:endParaRPr lang="de-AT"/>
+          </a:p>
+        </p:txBody>
+      </p:sp>
+      <p:sp>
+        <p:nvSpPr>
+          <p:cNvPr id="8" name="Pfeil: nach unten 7">
+            <a:extLst>
+              <a:ext uri="{FF2B5EF4-FFF2-40B4-BE49-F238E27FC236}">
+                <a16:creationId xmlns:a16="http://schemas.microsoft.com/office/drawing/2014/main" id="{9ABEE826-CB80-454E-B79B-F034BD4CA65E}"/>
+              </a:ext>
+            </a:extLst>
+          </p:cNvPr>
+          <p:cNvSpPr/>
+          <p:nvPr/>
+        </p:nvSpPr>
+        <p:spPr>
+          <a:xfrm rot="19621756">
+            <a:off x="10308474" y="3078410"/>
+            <a:ext cx="559837" cy="836955"/>
+          </a:xfrm>
+          <a:prstGeom prst="downArrow">
+            <a:avLst/>
+          </a:prstGeom>
+        </p:spPr>
+        <p:style>
+          <a:lnRef idx="2">
+            <a:schemeClr val="accent1">
+              <a:shade val="50000"/>
+            </a:schemeClr>
+          </a:lnRef>
+          <a:fillRef idx="1">
+            <a:schemeClr val="accent1"/>
+          </a:fillRef>
+          <a:effectRef idx="0">
+            <a:schemeClr val="accent1"/>
+          </a:effectRef>
+          <a:fontRef idx="minor">
+            <a:schemeClr val="lt1"/>
+          </a:fontRef>
+        </p:style>
+        <p:txBody>
+          <a:bodyPr rtlCol="0" anchor="ctr"/>
+          <a:lstStyle/>
+          <a:p>
+            <a:pPr algn="ctr"/>
+            <a:endParaRPr lang="de-AT"/>
+          </a:p>
+        </p:txBody>
+      </p:sp>
+      <p:sp>
+        <p:nvSpPr>
+          <p:cNvPr id="9" name="Titel 8">
+            <a:extLst>
+              <a:ext uri="{FF2B5EF4-FFF2-40B4-BE49-F238E27FC236}">
+                <a16:creationId xmlns:a16="http://schemas.microsoft.com/office/drawing/2014/main" id="{A1E1688D-535E-49FB-9044-D6025372CD24}"/>
+              </a:ext>
+            </a:extLst>
+          </p:cNvPr>
+          <p:cNvSpPr txBox="1">
+            <a:spLocks/>
+          </p:cNvSpPr>
+          <p:nvPr/>
+        </p:nvSpPr>
+        <p:spPr>
+          <a:xfrm>
+            <a:off x="398586" y="-105208"/>
+            <a:ext cx="10515600" cy="1325563"/>
+          </a:xfrm>
+          <a:prstGeom prst="rect">
+            <a:avLst/>
+          </a:prstGeom>
+        </p:spPr>
+        <p:txBody>
+          <a:bodyPr vert="horz" lIns="91440" tIns="45720" rIns="91440" bIns="45720" rtlCol="0" anchor="ctr">
+            <a:normAutofit/>
+          </a:bodyPr>
+          <a:lstStyle>
+            <a:lvl1pPr algn="l" defTabSz="914400" rtl="0" eaLnBrk="1" latinLnBrk="0" hangingPunct="1">
+              <a:lnSpc>
+                <a:spcPct val="90000"/>
+              </a:lnSpc>
+              <a:spcBef>
+                <a:spcPct val="0"/>
+              </a:spcBef>
+              <a:buNone/>
+              <a:defRPr sz="4400" kern="1200">
+                <a:solidFill>
+                  <a:schemeClr val="tx1"/>
+                </a:solidFill>
+                <a:latin typeface="+mj-lt"/>
+                <a:ea typeface="+mj-ea"/>
+                <a:cs typeface="+mj-cs"/>
+              </a:defRPr>
+            </a:lvl1pPr>
+          </a:lstStyle>
+          <a:p>
+            <a:r>
+              <a:rPr lang="de-DE" dirty="0"/>
+              <a:t>Stand Iteration 1</a:t>
+            </a:r>
+            <a:endParaRPr lang="de-AT" dirty="0"/>
+          </a:p>
+        </p:txBody>
+      </p:sp>
+      <p:sp>
+        <p:nvSpPr>
+          <p:cNvPr id="10" name="Textfeld 9">
+            <a:extLst>
+              <a:ext uri="{FF2B5EF4-FFF2-40B4-BE49-F238E27FC236}">
+                <a16:creationId xmlns:a16="http://schemas.microsoft.com/office/drawing/2014/main" id="{C0004FB8-053C-45DE-BB10-BB0E44FD6DDF}"/>
+              </a:ext>
+            </a:extLst>
+          </p:cNvPr>
+          <p:cNvSpPr txBox="1"/>
+          <p:nvPr/>
+        </p:nvSpPr>
+        <p:spPr>
+          <a:xfrm>
+            <a:off x="396644" y="3036164"/>
+            <a:ext cx="3526554" cy="369332"/>
+          </a:xfrm>
+          <a:prstGeom prst="rect">
+            <a:avLst/>
+          </a:prstGeom>
+          <a:noFill/>
+        </p:spPr>
+        <p:txBody>
+          <a:bodyPr wrap="square" rtlCol="0">
+            <a:spAutoFit/>
+          </a:bodyPr>
+          <a:lstStyle/>
+          <a:p>
+            <a:r>
+              <a:rPr lang="de-DE" dirty="0"/>
+              <a:t>Login:</a:t>
+            </a:r>
+            <a:endParaRPr lang="de-AT" dirty="0"/>
+          </a:p>
+        </p:txBody>
+      </p:sp>
+      <p:pic>
+        <p:nvPicPr>
+          <p:cNvPr id="11" name="Grafik 10">
+            <a:extLst>
+              <a:ext uri="{FF2B5EF4-FFF2-40B4-BE49-F238E27FC236}">
+                <a16:creationId xmlns:a16="http://schemas.microsoft.com/office/drawing/2014/main" id="{46F78AEB-CE92-465E-AB84-47CD0E5FFDC1}"/>
+              </a:ext>
+            </a:extLst>
+          </p:cNvPr>
+          <p:cNvPicPr>
+            <a:picLocks noChangeAspect="1"/>
+          </p:cNvPicPr>
+          <p:nvPr/>
+        </p:nvPicPr>
+        <p:blipFill rotWithShape="1">
+          <a:blip r:embed="rId5"/>
+          <a:srcRect l="2356" r="27793"/>
+          <a:stretch/>
+        </p:blipFill>
+        <p:spPr>
+          <a:xfrm>
+            <a:off x="255918" y="3429000"/>
+            <a:ext cx="4065475" cy="3379334"/>
+          </a:xfrm>
+          <a:prstGeom prst="rect">
+            <a:avLst/>
+          </a:prstGeom>
+        </p:spPr>
+      </p:pic>
+    </p:spTree>
+    <p:extLst>
+      <p:ext uri="{BB962C8B-B14F-4D97-AF65-F5344CB8AC3E}">
+        <p14:creationId xmlns:p14="http://schemas.microsoft.com/office/powerpoint/2010/main" val="2132486596"/>
+      </p:ext>
+    </p:extLst>
+  </p:cSld>
+  <p:clrMapOvr>
+    <a:masterClrMapping/>
+  </p:clrMapOvr>
+</p:sld>
+</file>
+
+<file path=ppt/slides/slide3.xml><?xml version="1.0" encoding="utf-8"?>
+<p:sld xmlns:a="http://schemas.openxmlformats.org/drawingml/2006/main" xmlns:r="http://schemas.openxmlformats.org/officeDocument/2006/relationships" xmlns:p="http://schemas.openxmlformats.org/presentationml/2006/main">
+  <p:cSld>
+    <p:spTree>
+      <p:nvGrpSpPr>
+        <p:cNvPr id="1" name=""/>
+        <p:cNvGrpSpPr/>
+        <p:nvPr/>
+      </p:nvGrpSpPr>
+      <p:grpSpPr>
+        <a:xfrm>
+          <a:off x="0" y="0"/>
+          <a:ext cx="0" cy="0"/>
+          <a:chOff x="0" y="0"/>
+          <a:chExt cx="0" cy="0"/>
+        </a:xfrm>
+      </p:grpSpPr>
+      <p:sp>
+        <p:nvSpPr>
           <p:cNvPr id="2" name="Titel 1">
             <a:extLst>
               <a:ext uri="{FF2B5EF4-FFF2-40B4-BE49-F238E27FC236}">
@@ -3903,6 +4442,13 @@
             <a:r>
               <a:rPr lang="de-DE" dirty="0"/>
               <a:t>Eventuelle Implementierung der Android App</a:t>
+            </a:r>
+          </a:p>
+          <a:p>
+            <a:pPr lvl="1"/>
+            <a:r>
+              <a:rPr lang="de-DE" dirty="0"/>
+              <a:t>Authentifizierung</a:t>
             </a:r>
           </a:p>
           <a:p>
@@ -3924,7 +4470,7 @@
 </p:sld>
 </file>
 
-<file path=ppt/slides/slide3.xml><?xml version="1.0" encoding="utf-8"?>
+<file path=ppt/slides/slide4.xml><?xml version="1.0" encoding="utf-8"?>
 <p:sld xmlns:a="http://schemas.openxmlformats.org/drawingml/2006/main" xmlns:r="http://schemas.openxmlformats.org/officeDocument/2006/relationships" xmlns:p="http://schemas.openxmlformats.org/presentationml/2006/main">
   <p:cSld>
     <p:bg>
@@ -3998,7 +4544,7 @@
 </p:sld>
 </file>
 
-<file path=ppt/slides/slide4.xml><?xml version="1.0" encoding="utf-8"?>
+<file path=ppt/slides/slide5.xml><?xml version="1.0" encoding="utf-8"?>
 <p:sld xmlns:a="http://schemas.openxmlformats.org/drawingml/2006/main" xmlns:r="http://schemas.openxmlformats.org/officeDocument/2006/relationships" xmlns:p="http://schemas.openxmlformats.org/presentationml/2006/main">
   <p:cSld>
     <p:spTree>
@@ -4081,10 +4627,10 @@
       </p:pic>
       <p:pic>
         <p:nvPicPr>
-          <p:cNvPr id="12" name="Grafik 11">
-            <a:extLst>
-              <a:ext uri="{FF2B5EF4-FFF2-40B4-BE49-F238E27FC236}">
-                <a16:creationId xmlns:a16="http://schemas.microsoft.com/office/drawing/2014/main" id="{0E55F3DD-B0FF-4A96-A6A1-90428BC9C0B0}"/>
+          <p:cNvPr id="4" name="Grafik 3">
+            <a:extLst>
+              <a:ext uri="{FF2B5EF4-FFF2-40B4-BE49-F238E27FC236}">
+                <a16:creationId xmlns:a16="http://schemas.microsoft.com/office/drawing/2014/main" id="{B0203506-29B8-4507-AEFB-D33F6AE43D64}"/>
               </a:ext>
             </a:extLst>
           </p:cNvPr>
@@ -4101,159 +4647,8 @@
         </p:blipFill>
         <p:spPr>
           <a:xfrm>
-            <a:off x="7399595" y="5061378"/>
-            <a:ext cx="1676634" cy="1238423"/>
-          </a:xfrm>
-          <a:prstGeom prst="rect">
-            <a:avLst/>
-          </a:prstGeom>
-        </p:spPr>
-      </p:pic>
-      <p:pic>
-        <p:nvPicPr>
-          <p:cNvPr id="13" name="Grafik 12">
-            <a:extLst>
-              <a:ext uri="{FF2B5EF4-FFF2-40B4-BE49-F238E27FC236}">
-                <a16:creationId xmlns:a16="http://schemas.microsoft.com/office/drawing/2014/main" id="{B97D771D-C047-4B90-8453-8920D43C1BAD}"/>
-              </a:ext>
-            </a:extLst>
-          </p:cNvPr>
-          <p:cNvPicPr>
-            <a:picLocks noChangeAspect="1"/>
-          </p:cNvPicPr>
-          <p:nvPr/>
-        </p:nvPicPr>
-        <p:blipFill>
-          <a:blip r:embed="rId4"/>
-          <a:stretch>
-            <a:fillRect/>
-          </a:stretch>
-        </p:blipFill>
-        <p:spPr>
-          <a:xfrm>
-            <a:off x="9484414" y="5061378"/>
-            <a:ext cx="2381582" cy="1257475"/>
-          </a:xfrm>
-          <a:prstGeom prst="rect">
-            <a:avLst/>
-          </a:prstGeom>
-        </p:spPr>
-      </p:pic>
-      <p:sp>
-        <p:nvSpPr>
-          <p:cNvPr id="14" name="Pfeil: nach unten 13">
-            <a:extLst>
-              <a:ext uri="{FF2B5EF4-FFF2-40B4-BE49-F238E27FC236}">
-                <a16:creationId xmlns:a16="http://schemas.microsoft.com/office/drawing/2014/main" id="{F54AB69E-C309-41D9-A523-AC62EB707ABF}"/>
-              </a:ext>
-            </a:extLst>
-          </p:cNvPr>
-          <p:cNvSpPr/>
-          <p:nvPr/>
-        </p:nvSpPr>
-        <p:spPr>
-          <a:xfrm rot="3719895">
-            <a:off x="8876098" y="4071355"/>
-            <a:ext cx="559837" cy="1092389"/>
-          </a:xfrm>
-          <a:prstGeom prst="downArrow">
-            <a:avLst/>
-          </a:prstGeom>
-        </p:spPr>
-        <p:style>
-          <a:lnRef idx="2">
-            <a:schemeClr val="accent1">
-              <a:shade val="50000"/>
-            </a:schemeClr>
-          </a:lnRef>
-          <a:fillRef idx="1">
-            <a:schemeClr val="accent1"/>
-          </a:fillRef>
-          <a:effectRef idx="0">
-            <a:schemeClr val="accent1"/>
-          </a:effectRef>
-          <a:fontRef idx="minor">
-            <a:schemeClr val="lt1"/>
-          </a:fontRef>
-        </p:style>
-        <p:txBody>
-          <a:bodyPr rtlCol="0" anchor="ctr"/>
-          <a:lstStyle/>
-          <a:p>
-            <a:pPr algn="ctr"/>
-            <a:endParaRPr lang="de-AT"/>
-          </a:p>
-        </p:txBody>
-      </p:sp>
-      <p:sp>
-        <p:nvSpPr>
-          <p:cNvPr id="15" name="Pfeil: nach unten 14">
-            <a:extLst>
-              <a:ext uri="{FF2B5EF4-FFF2-40B4-BE49-F238E27FC236}">
-                <a16:creationId xmlns:a16="http://schemas.microsoft.com/office/drawing/2014/main" id="{C0356858-7035-46CD-9EF0-79087E63E3D6}"/>
-              </a:ext>
-            </a:extLst>
-          </p:cNvPr>
-          <p:cNvSpPr/>
-          <p:nvPr/>
-        </p:nvSpPr>
-        <p:spPr>
-          <a:xfrm rot="20926446">
-            <a:off x="10424793" y="4220206"/>
-            <a:ext cx="559837" cy="836955"/>
-          </a:xfrm>
-          <a:prstGeom prst="downArrow">
-            <a:avLst/>
-          </a:prstGeom>
-        </p:spPr>
-        <p:style>
-          <a:lnRef idx="2">
-            <a:schemeClr val="accent1">
-              <a:shade val="50000"/>
-            </a:schemeClr>
-          </a:lnRef>
-          <a:fillRef idx="1">
-            <a:schemeClr val="accent1"/>
-          </a:fillRef>
-          <a:effectRef idx="0">
-            <a:schemeClr val="accent1"/>
-          </a:effectRef>
-          <a:fontRef idx="minor">
-            <a:schemeClr val="lt1"/>
-          </a:fontRef>
-        </p:style>
-        <p:txBody>
-          <a:bodyPr rtlCol="0" anchor="ctr"/>
-          <a:lstStyle/>
-          <a:p>
-            <a:pPr algn="ctr"/>
-            <a:endParaRPr lang="de-AT"/>
-          </a:p>
-        </p:txBody>
-      </p:sp>
-      <p:pic>
-        <p:nvPicPr>
-          <p:cNvPr id="16" name="Grafik 15">
-            <a:extLst>
-              <a:ext uri="{FF2B5EF4-FFF2-40B4-BE49-F238E27FC236}">
-                <a16:creationId xmlns:a16="http://schemas.microsoft.com/office/drawing/2014/main" id="{C0CCAF0D-E1DA-46D3-8D9D-16846368AC00}"/>
-              </a:ext>
-            </a:extLst>
-          </p:cNvPr>
-          <p:cNvPicPr>
-            <a:picLocks noChangeAspect="1"/>
-          </p:cNvPicPr>
-          <p:nvPr/>
-        </p:nvPicPr>
-        <p:blipFill rotWithShape="1">
-          <a:blip r:embed="rId5"/>
-          <a:srcRect l="2356" r="27793"/>
-          <a:stretch/>
-        </p:blipFill>
-        <p:spPr>
-          <a:xfrm>
-            <a:off x="572494" y="4113962"/>
-            <a:ext cx="2937841" cy="2442013"/>
+            <a:off x="471486" y="4079681"/>
+            <a:ext cx="11249025" cy="2778319"/>
           </a:xfrm>
           <a:prstGeom prst="rect">
             <a:avLst/>
@@ -4273,7 +4668,7 @@
 </p:sld>
 </file>
 
-<file path=ppt/slides/slide5.xml><?xml version="1.0" encoding="utf-8"?>
+<file path=ppt/slides/slide6.xml><?xml version="1.0" encoding="utf-8"?>
 <p:sld xmlns:a="http://schemas.openxmlformats.org/drawingml/2006/main" xmlns:r="http://schemas.openxmlformats.org/officeDocument/2006/relationships" xmlns:p="http://schemas.openxmlformats.org/presentationml/2006/main">
   <p:cSld>
     <p:spTree>
@@ -4366,7 +4761,7 @@
 </p:sld>
 </file>
 
-<file path=ppt/slides/slide6.xml><?xml version="1.0" encoding="utf-8"?>
+<file path=ppt/slides/slide7.xml><?xml version="1.0" encoding="utf-8"?>
 <p:sld xmlns:a="http://schemas.openxmlformats.org/drawingml/2006/main" xmlns:r="http://schemas.openxmlformats.org/officeDocument/2006/relationships" xmlns:p="http://schemas.openxmlformats.org/presentationml/2006/main">
   <p:cSld>
     <p:spTree>
@@ -4461,7 +4856,7 @@
 </p:sld>
 </file>
 
-<file path=ppt/slides/slide7.xml><?xml version="1.0" encoding="utf-8"?>
+<file path=ppt/slides/slide8.xml><?xml version="1.0" encoding="utf-8"?>
 <p:sld xmlns:a="http://schemas.openxmlformats.org/drawingml/2006/main" xmlns:r="http://schemas.openxmlformats.org/officeDocument/2006/relationships" xmlns:p="http://schemas.openxmlformats.org/presentationml/2006/main">
   <p:cSld>
     <p:spTree>
@@ -4554,7 +4949,7 @@
 </p:sld>
 </file>
 
-<file path=ppt/slides/slide8.xml><?xml version="1.0" encoding="utf-8"?>
+<file path=ppt/slides/slide9.xml><?xml version="1.0" encoding="utf-8"?>
 <p:sld xmlns:a="http://schemas.openxmlformats.org/drawingml/2006/main" xmlns:r="http://schemas.openxmlformats.org/officeDocument/2006/relationships" xmlns:p="http://schemas.openxmlformats.org/presentationml/2006/main">
   <p:cSld>
     <p:spTree>
@@ -4638,159 +5033,6 @@
     <p:extLst>
       <p:ext uri="{BB962C8B-B14F-4D97-AF65-F5344CB8AC3E}">
         <p14:creationId xmlns:p14="http://schemas.microsoft.com/office/powerpoint/2010/main" val="1071706553"/>
-      </p:ext>
-    </p:extLst>
-  </p:cSld>
-  <p:clrMapOvr>
-    <a:masterClrMapping/>
-  </p:clrMapOvr>
-</p:sld>
-</file>
-
-<file path=ppt/slides/slide9.xml><?xml version="1.0" encoding="utf-8"?>
-<p:sld xmlns:a="http://schemas.openxmlformats.org/drawingml/2006/main" xmlns:r="http://schemas.openxmlformats.org/officeDocument/2006/relationships" xmlns:p="http://schemas.openxmlformats.org/presentationml/2006/main">
-  <p:cSld>
-    <p:spTree>
-      <p:nvGrpSpPr>
-        <p:cNvPr id="1" name=""/>
-        <p:cNvGrpSpPr/>
-        <p:nvPr/>
-      </p:nvGrpSpPr>
-      <p:grpSpPr>
-        <a:xfrm>
-          <a:off x="0" y="0"/>
-          <a:ext cx="0" cy="0"/>
-          <a:chOff x="0" y="0"/>
-          <a:chExt cx="0" cy="0"/>
-        </a:xfrm>
-      </p:grpSpPr>
-      <p:sp>
-        <p:nvSpPr>
-          <p:cNvPr id="2" name="Titel 1">
-            <a:extLst>
-              <a:ext uri="{FF2B5EF4-FFF2-40B4-BE49-F238E27FC236}">
-                <a16:creationId xmlns:a16="http://schemas.microsoft.com/office/drawing/2014/main" id="{0DA8331F-D8E8-4F32-9149-50DFD4A37F65}"/>
-              </a:ext>
-            </a:extLst>
-          </p:cNvPr>
-          <p:cNvSpPr>
-            <a:spLocks noGrp="1"/>
-          </p:cNvSpPr>
-          <p:nvPr>
-            <p:ph type="title"/>
-          </p:nvPr>
-        </p:nvSpPr>
-        <p:spPr>
-          <a:xfrm>
-            <a:off x="528099" y="0"/>
-            <a:ext cx="10515600" cy="1325563"/>
-          </a:xfrm>
-        </p:spPr>
-        <p:txBody>
-          <a:bodyPr/>
-          <a:lstStyle/>
-          <a:p>
-            <a:r>
-              <a:rPr lang="de-AT" dirty="0"/>
-              <a:t>Android App</a:t>
-            </a:r>
-          </a:p>
-        </p:txBody>
-      </p:sp>
-      <p:pic>
-        <p:nvPicPr>
-          <p:cNvPr id="3" name="Grafik 2">
-            <a:extLst>
-              <a:ext uri="{FF2B5EF4-FFF2-40B4-BE49-F238E27FC236}">
-                <a16:creationId xmlns:a16="http://schemas.microsoft.com/office/drawing/2014/main" id="{96B49854-BCE2-47F3-930B-03150AF75493}"/>
-              </a:ext>
-            </a:extLst>
-          </p:cNvPr>
-          <p:cNvPicPr>
-            <a:picLocks noChangeAspect="1"/>
-          </p:cNvPicPr>
-          <p:nvPr/>
-        </p:nvPicPr>
-        <p:blipFill>
-          <a:blip r:embed="rId2"/>
-          <a:stretch>
-            <a:fillRect/>
-          </a:stretch>
-        </p:blipFill>
-        <p:spPr>
-          <a:xfrm>
-            <a:off x="1243717" y="1217949"/>
-            <a:ext cx="2822714" cy="5018158"/>
-          </a:xfrm>
-          <a:prstGeom prst="rect">
-            <a:avLst/>
-          </a:prstGeom>
-        </p:spPr>
-      </p:pic>
-      <p:pic>
-        <p:nvPicPr>
-          <p:cNvPr id="4" name="Grafik 3">
-            <a:extLst>
-              <a:ext uri="{FF2B5EF4-FFF2-40B4-BE49-F238E27FC236}">
-                <a16:creationId xmlns:a16="http://schemas.microsoft.com/office/drawing/2014/main" id="{5CD5FE2E-EEAF-4BDF-8513-B92EEA9B4D7F}"/>
-              </a:ext>
-            </a:extLst>
-          </p:cNvPr>
-          <p:cNvPicPr>
-            <a:picLocks noChangeAspect="1"/>
-          </p:cNvPicPr>
-          <p:nvPr/>
-        </p:nvPicPr>
-        <p:blipFill>
-          <a:blip r:embed="rId3"/>
-          <a:stretch>
-            <a:fillRect/>
-          </a:stretch>
-        </p:blipFill>
-        <p:spPr>
-          <a:xfrm>
-            <a:off x="8067920" y="1217947"/>
-            <a:ext cx="2822715" cy="5018160"/>
-          </a:xfrm>
-          <a:prstGeom prst="rect">
-            <a:avLst/>
-          </a:prstGeom>
-        </p:spPr>
-      </p:pic>
-      <p:pic>
-        <p:nvPicPr>
-          <p:cNvPr id="5" name="Grafik 4">
-            <a:extLst>
-              <a:ext uri="{FF2B5EF4-FFF2-40B4-BE49-F238E27FC236}">
-                <a16:creationId xmlns:a16="http://schemas.microsoft.com/office/drawing/2014/main" id="{C8DB91F3-5443-4F93-846D-ACD43C2CD497}"/>
-              </a:ext>
-            </a:extLst>
-          </p:cNvPr>
-          <p:cNvPicPr>
-            <a:picLocks noChangeAspect="1"/>
-          </p:cNvPicPr>
-          <p:nvPr/>
-        </p:nvPicPr>
-        <p:blipFill>
-          <a:blip r:embed="rId4"/>
-          <a:stretch>
-            <a:fillRect/>
-          </a:stretch>
-        </p:blipFill>
-        <p:spPr>
-          <a:xfrm>
-            <a:off x="4684643" y="1217949"/>
-            <a:ext cx="2822714" cy="5018158"/>
-          </a:xfrm>
-          <a:prstGeom prst="rect">
-            <a:avLst/>
-          </a:prstGeom>
-        </p:spPr>
-      </p:pic>
-    </p:spTree>
-    <p:extLst>
-      <p:ext uri="{BB962C8B-B14F-4D97-AF65-F5344CB8AC3E}">
-        <p14:creationId xmlns:p14="http://schemas.microsoft.com/office/powerpoint/2010/main" val="3708388542"/>
       </p:ext>
     </p:extLst>
   </p:cSld>

--- a/Projektiterationen/2.Iteration.pptx
+++ b/Projektiterationen/2.Iteration.pptx
@@ -272,7 +272,7 @@
           <a:p>
             <a:fld id="{826AA1D2-9E24-46BA-ACF3-586C08A89ECF}" type="datetimeFigureOut">
               <a:rPr lang="de-AT" smtClean="0"/>
-              <a:t>24.01.2020</a:t>
+              <a:t>22.04.2020</a:t>
             </a:fld>
             <a:endParaRPr lang="de-AT"/>
           </a:p>
@@ -472,7 +472,7 @@
           <a:p>
             <a:fld id="{826AA1D2-9E24-46BA-ACF3-586C08A89ECF}" type="datetimeFigureOut">
               <a:rPr lang="de-AT" smtClean="0"/>
-              <a:t>24.01.2020</a:t>
+              <a:t>22.04.2020</a:t>
             </a:fld>
             <a:endParaRPr lang="de-AT"/>
           </a:p>
@@ -682,7 +682,7 @@
           <a:p>
             <a:fld id="{826AA1D2-9E24-46BA-ACF3-586C08A89ECF}" type="datetimeFigureOut">
               <a:rPr lang="de-AT" smtClean="0"/>
-              <a:t>24.01.2020</a:t>
+              <a:t>22.04.2020</a:t>
             </a:fld>
             <a:endParaRPr lang="de-AT"/>
           </a:p>
@@ -882,7 +882,7 @@
           <a:p>
             <a:fld id="{826AA1D2-9E24-46BA-ACF3-586C08A89ECF}" type="datetimeFigureOut">
               <a:rPr lang="de-AT" smtClean="0"/>
-              <a:t>24.01.2020</a:t>
+              <a:t>22.04.2020</a:t>
             </a:fld>
             <a:endParaRPr lang="de-AT"/>
           </a:p>
@@ -1158,7 +1158,7 @@
           <a:p>
             <a:fld id="{826AA1D2-9E24-46BA-ACF3-586C08A89ECF}" type="datetimeFigureOut">
               <a:rPr lang="de-AT" smtClean="0"/>
-              <a:t>24.01.2020</a:t>
+              <a:t>22.04.2020</a:t>
             </a:fld>
             <a:endParaRPr lang="de-AT"/>
           </a:p>
@@ -1426,7 +1426,7 @@
           <a:p>
             <a:fld id="{826AA1D2-9E24-46BA-ACF3-586C08A89ECF}" type="datetimeFigureOut">
               <a:rPr lang="de-AT" smtClean="0"/>
-              <a:t>24.01.2020</a:t>
+              <a:t>22.04.2020</a:t>
             </a:fld>
             <a:endParaRPr lang="de-AT"/>
           </a:p>
@@ -1841,7 +1841,7 @@
           <a:p>
             <a:fld id="{826AA1D2-9E24-46BA-ACF3-586C08A89ECF}" type="datetimeFigureOut">
               <a:rPr lang="de-AT" smtClean="0"/>
-              <a:t>24.01.2020</a:t>
+              <a:t>22.04.2020</a:t>
             </a:fld>
             <a:endParaRPr lang="de-AT"/>
           </a:p>
@@ -1983,7 +1983,7 @@
           <a:p>
             <a:fld id="{826AA1D2-9E24-46BA-ACF3-586C08A89ECF}" type="datetimeFigureOut">
               <a:rPr lang="de-AT" smtClean="0"/>
-              <a:t>24.01.2020</a:t>
+              <a:t>22.04.2020</a:t>
             </a:fld>
             <a:endParaRPr lang="de-AT"/>
           </a:p>
@@ -2096,7 +2096,7 @@
           <a:p>
             <a:fld id="{826AA1D2-9E24-46BA-ACF3-586C08A89ECF}" type="datetimeFigureOut">
               <a:rPr lang="de-AT" smtClean="0"/>
-              <a:t>24.01.2020</a:t>
+              <a:t>22.04.2020</a:t>
             </a:fld>
             <a:endParaRPr lang="de-AT"/>
           </a:p>
@@ -2409,7 +2409,7 @@
           <a:p>
             <a:fld id="{826AA1D2-9E24-46BA-ACF3-586C08A89ECF}" type="datetimeFigureOut">
               <a:rPr lang="de-AT" smtClean="0"/>
-              <a:t>24.01.2020</a:t>
+              <a:t>22.04.2020</a:t>
             </a:fld>
             <a:endParaRPr lang="de-AT"/>
           </a:p>
@@ -2698,7 +2698,7 @@
           <a:p>
             <a:fld id="{826AA1D2-9E24-46BA-ACF3-586C08A89ECF}" type="datetimeFigureOut">
               <a:rPr lang="de-AT" smtClean="0"/>
-              <a:t>24.01.2020</a:t>
+              <a:t>22.04.2020</a:t>
             </a:fld>
             <a:endParaRPr lang="de-AT"/>
           </a:p>
@@ -2941,7 +2941,7 @@
           <a:p>
             <a:fld id="{826AA1D2-9E24-46BA-ACF3-586C08A89ECF}" type="datetimeFigureOut">
               <a:rPr lang="de-AT" smtClean="0"/>
-              <a:t>24.01.2020</a:t>
+              <a:t>22.04.2020</a:t>
             </a:fld>
             <a:endParaRPr lang="de-AT"/>
           </a:p>
@@ -3690,7 +3690,7 @@
         </p:blipFill>
         <p:spPr>
           <a:xfrm>
-            <a:off x="1243717" y="1217949"/>
+            <a:off x="1148301" y="1217947"/>
             <a:ext cx="2822714" cy="5018158"/>
           </a:xfrm>
           <a:prstGeom prst="rect">
@@ -3720,7 +3720,7 @@
         </p:blipFill>
         <p:spPr>
           <a:xfrm>
-            <a:off x="8067920" y="1217947"/>
+            <a:off x="8067919" y="1217947"/>
             <a:ext cx="2822715" cy="5018160"/>
           </a:xfrm>
           <a:prstGeom prst="rect">
@@ -3750,7 +3750,7 @@
         </p:blipFill>
         <p:spPr>
           <a:xfrm>
-            <a:off x="4684643" y="1217949"/>
+            <a:off x="4655818" y="1217949"/>
             <a:ext cx="2822714" cy="5018158"/>
           </a:xfrm>
           <a:prstGeom prst="rect">
@@ -5021,7 +5021,7 @@
         </p:blipFill>
         <p:spPr>
           <a:xfrm>
-            <a:off x="133184" y="2143268"/>
+            <a:off x="133184" y="2067767"/>
             <a:ext cx="11925632" cy="2571464"/>
           </a:xfrm>
           <a:prstGeom prst="rect">
